--- a/temp/km.pptx
+++ b/temp/km.pptx
@@ -111,6 +111,11 @@
       </a:defRPr>
     </a:lvl9pPr>
   </p:defaultTextStyle>
+  <p:extLst>
+    <p:ext uri="{EFAFB233-063F-42B5-8137-9DF3F51BA10A}">
+      <p15:sldGuideLst xmlns:p15="http://schemas.microsoft.com/office/powerpoint/2012/main"/>
+    </p:ext>
+  </p:extLst>
 </p:presentation>
 </file>
 
@@ -273,7 +278,7 @@
           <a:p>
             <a:fld id="{0DAAA78B-305F-40B1-AA0A-4A7B2A823B23}" type="datetimeFigureOut">
               <a:rPr lang="zh-CN" altLang="en-US" smtClean="0"/>
-              <a:t>2020/4/8</a:t>
+              <a:t>2020/4/10</a:t>
             </a:fld>
             <a:endParaRPr lang="zh-CN" altLang="en-US"/>
           </a:p>
@@ -471,7 +476,7 @@
           <a:p>
             <a:fld id="{0DAAA78B-305F-40B1-AA0A-4A7B2A823B23}" type="datetimeFigureOut">
               <a:rPr lang="zh-CN" altLang="en-US" smtClean="0"/>
-              <a:t>2020/4/8</a:t>
+              <a:t>2020/4/10</a:t>
             </a:fld>
             <a:endParaRPr lang="zh-CN" altLang="en-US"/>
           </a:p>
@@ -679,7 +684,7 @@
           <a:p>
             <a:fld id="{0DAAA78B-305F-40B1-AA0A-4A7B2A823B23}" type="datetimeFigureOut">
               <a:rPr lang="zh-CN" altLang="en-US" smtClean="0"/>
-              <a:t>2020/4/8</a:t>
+              <a:t>2020/4/10</a:t>
             </a:fld>
             <a:endParaRPr lang="zh-CN" altLang="en-US"/>
           </a:p>
@@ -877,7 +882,7 @@
           <a:p>
             <a:fld id="{0DAAA78B-305F-40B1-AA0A-4A7B2A823B23}" type="datetimeFigureOut">
               <a:rPr lang="zh-CN" altLang="en-US" smtClean="0"/>
-              <a:t>2020/4/8</a:t>
+              <a:t>2020/4/10</a:t>
             </a:fld>
             <a:endParaRPr lang="zh-CN" altLang="en-US"/>
           </a:p>
@@ -1152,7 +1157,7 @@
           <a:p>
             <a:fld id="{0DAAA78B-305F-40B1-AA0A-4A7B2A823B23}" type="datetimeFigureOut">
               <a:rPr lang="zh-CN" altLang="en-US" smtClean="0"/>
-              <a:t>2020/4/8</a:t>
+              <a:t>2020/4/10</a:t>
             </a:fld>
             <a:endParaRPr lang="zh-CN" altLang="en-US"/>
           </a:p>
@@ -1417,7 +1422,7 @@
           <a:p>
             <a:fld id="{0DAAA78B-305F-40B1-AA0A-4A7B2A823B23}" type="datetimeFigureOut">
               <a:rPr lang="zh-CN" altLang="en-US" smtClean="0"/>
-              <a:t>2020/4/8</a:t>
+              <a:t>2020/4/10</a:t>
             </a:fld>
             <a:endParaRPr lang="zh-CN" altLang="en-US"/>
           </a:p>
@@ -1829,7 +1834,7 @@
           <a:p>
             <a:fld id="{0DAAA78B-305F-40B1-AA0A-4A7B2A823B23}" type="datetimeFigureOut">
               <a:rPr lang="zh-CN" altLang="en-US" smtClean="0"/>
-              <a:t>2020/4/8</a:t>
+              <a:t>2020/4/10</a:t>
             </a:fld>
             <a:endParaRPr lang="zh-CN" altLang="en-US"/>
           </a:p>
@@ -1970,7 +1975,7 @@
           <a:p>
             <a:fld id="{0DAAA78B-305F-40B1-AA0A-4A7B2A823B23}" type="datetimeFigureOut">
               <a:rPr lang="zh-CN" altLang="en-US" smtClean="0"/>
-              <a:t>2020/4/8</a:t>
+              <a:t>2020/4/10</a:t>
             </a:fld>
             <a:endParaRPr lang="zh-CN" altLang="en-US"/>
           </a:p>
@@ -2083,7 +2088,7 @@
           <a:p>
             <a:fld id="{0DAAA78B-305F-40B1-AA0A-4A7B2A823B23}" type="datetimeFigureOut">
               <a:rPr lang="zh-CN" altLang="en-US" smtClean="0"/>
-              <a:t>2020/4/8</a:t>
+              <a:t>2020/4/10</a:t>
             </a:fld>
             <a:endParaRPr lang="zh-CN" altLang="en-US"/>
           </a:p>
@@ -2394,7 +2399,7 @@
           <a:p>
             <a:fld id="{0DAAA78B-305F-40B1-AA0A-4A7B2A823B23}" type="datetimeFigureOut">
               <a:rPr lang="zh-CN" altLang="en-US" smtClean="0"/>
-              <a:t>2020/4/8</a:t>
+              <a:t>2020/4/10</a:t>
             </a:fld>
             <a:endParaRPr lang="zh-CN" altLang="en-US"/>
           </a:p>
@@ -2682,7 +2687,7 @@
           <a:p>
             <a:fld id="{0DAAA78B-305F-40B1-AA0A-4A7B2A823B23}" type="datetimeFigureOut">
               <a:rPr lang="zh-CN" altLang="en-US" smtClean="0"/>
-              <a:t>2020/4/8</a:t>
+              <a:t>2020/4/10</a:t>
             </a:fld>
             <a:endParaRPr lang="zh-CN" altLang="en-US"/>
           </a:p>
@@ -2923,7 +2928,7 @@
           <a:p>
             <a:fld id="{0DAAA78B-305F-40B1-AA0A-4A7B2A823B23}" type="datetimeFigureOut">
               <a:rPr lang="zh-CN" altLang="en-US" smtClean="0"/>
-              <a:t>2020/4/8</a:t>
+              <a:t>2020/4/10</a:t>
             </a:fld>
             <a:endParaRPr lang="zh-CN" altLang="en-US"/>
           </a:p>
@@ -5233,7 +5238,7 @@
                   <a:latin typeface="Verdana" panose="020B0604030504040204" pitchFamily="34" charset="0"/>
                   <a:ea typeface="Verdana" panose="020B0604030504040204" pitchFamily="34" charset="0"/>
                 </a:rPr>
-                <a:t>0.9</a:t>
+                <a:t>0.8</a:t>
               </a:r>
               <a:endParaRPr lang="zh-CN" altLang="en-US" sz="1200" dirty="0">
                 <a:latin typeface="Verdana" panose="020B0604030504040204" pitchFamily="34" charset="0"/>
